--- a/House_columns.pptx
+++ b/House_columns.pptx
@@ -1949,17 +1949,17 @@
             </a:pPr>
             <a:r>
               <a:rPr lang="en-GB" sz="1800" kern="100" dirty="0">
-                <a:latin typeface="Aptos" panose="020B0004020202020204" pitchFamily="34" charset="0"/>
+                <a:latin typeface="Calibri" panose="020F0502020204030204" pitchFamily="34" charset="0"/>
                 <a:ea typeface="PMingLiU" panose="02020500000000000000" pitchFamily="18" charset="-120"/>
-                <a:cs typeface="Arial" panose="020B0604020202020204" pitchFamily="34" charset="0"/>
+                <a:cs typeface="Calibri" panose="020F0502020204030204" pitchFamily="34" charset="0"/>
               </a:rPr>
-              <a:t>Pillar_1_copy</a:t>
+              <a:t>Pillar_1_content</a:t>
             </a:r>
             <a:endParaRPr lang="en-GB" sz="1200" kern="100" dirty="0">
               <a:effectLst/>
-              <a:latin typeface="Aptos" panose="020B0004020202020204" pitchFamily="34" charset="0"/>
+              <a:latin typeface="Calibri" panose="020F0502020204030204" pitchFamily="34" charset="0"/>
               <a:ea typeface="PMingLiU" panose="02020500000000000000" pitchFamily="18" charset="-120"/>
-              <a:cs typeface="Arial" panose="020B0604020202020204" pitchFamily="34" charset="0"/>
+              <a:cs typeface="Calibri" panose="020F0502020204030204" pitchFamily="34" charset="0"/>
             </a:endParaRPr>
           </a:p>
           <a:p>
@@ -2088,7 +2088,7 @@
                 <a:ea typeface="PMingLiU" panose="02020500000000000000" pitchFamily="18" charset="-120"/>
                 <a:cs typeface="Arial" panose="020B0604020202020204" pitchFamily="34" charset="0"/>
               </a:rPr>
-              <a:t>Pillar_2_copy</a:t>
+              <a:t>Pillar_2_content</a:t>
             </a:r>
             <a:endParaRPr lang="en-GB" sz="1200" kern="100" dirty="0">
               <a:effectLst/>
@@ -2223,7 +2223,7 @@
                 <a:ea typeface="PMingLiU" panose="02020500000000000000" pitchFamily="18" charset="-120"/>
                 <a:cs typeface="Arial" panose="020B0604020202020204" pitchFamily="34" charset="0"/>
               </a:rPr>
-              <a:t>Pillar_3_copy</a:t>
+              <a:t>Pillar_3_content</a:t>
             </a:r>
             <a:endParaRPr lang="en-GB" sz="1200" kern="100" dirty="0">
               <a:effectLst/>
@@ -2358,7 +2358,7 @@
                 <a:ea typeface="PMingLiU" panose="02020500000000000000" pitchFamily="18" charset="-120"/>
                 <a:cs typeface="Arial" panose="020B0604020202020204" pitchFamily="34" charset="0"/>
               </a:rPr>
-              <a:t>Pillar_4_copy</a:t>
+              <a:t>Pillar_4_content</a:t>
             </a:r>
             <a:endParaRPr lang="en-GB" sz="1200" kern="100" dirty="0">
               <a:effectLst/>
